--- a/docs/ch9/main.pptx
+++ b/docs/ch9/main.pptx
@@ -7,6 +7,8 @@
   <p:sldIdLst>
     <p:sldId id="256" r:id="rId2"/>
     <p:sldId id="257" r:id="rId3"/>
+    <p:sldId id="258" r:id="rId4"/>
+    <p:sldId id="259" r:id="rId5"/>
   </p:sldIdLst>
   <p:sldSz cx="12192000" cy="6858000"/>
   <p:notesSz cx="6858000" cy="9144000"/>
@@ -259,7 +261,7 @@
           <a:lstStyle/>
           <a:p>
             <a:fld id="{18BDB0CB-86CF-C647-9BC5-7DCD269488A5}" type="datetimeFigureOut">
-              <a:t>2022/11/14</a:t>
+              <a:t>2023/8/21</a:t>
             </a:fld>
             <a:endParaRPr kumimoji="1" lang="zh-CN" altLang="en-US"/>
           </a:p>
@@ -455,7 +457,7 @@
           <a:lstStyle/>
           <a:p>
             <a:fld id="{18BDB0CB-86CF-C647-9BC5-7DCD269488A5}" type="datetimeFigureOut">
-              <a:t>2022/11/14</a:t>
+              <a:t>2023/8/21</a:t>
             </a:fld>
             <a:endParaRPr kumimoji="1" lang="zh-CN" altLang="en-US"/>
           </a:p>
@@ -661,7 +663,7 @@
           <a:lstStyle/>
           <a:p>
             <a:fld id="{18BDB0CB-86CF-C647-9BC5-7DCD269488A5}" type="datetimeFigureOut">
-              <a:t>2022/11/14</a:t>
+              <a:t>2023/8/21</a:t>
             </a:fld>
             <a:endParaRPr kumimoji="1" lang="zh-CN" altLang="en-US"/>
           </a:p>
@@ -857,7 +859,7 @@
           <a:lstStyle/>
           <a:p>
             <a:fld id="{18BDB0CB-86CF-C647-9BC5-7DCD269488A5}" type="datetimeFigureOut">
-              <a:t>2022/11/14</a:t>
+              <a:t>2023/8/21</a:t>
             </a:fld>
             <a:endParaRPr kumimoji="1" lang="zh-CN" altLang="en-US"/>
           </a:p>
@@ -1130,7 +1132,7 @@
           <a:lstStyle/>
           <a:p>
             <a:fld id="{18BDB0CB-86CF-C647-9BC5-7DCD269488A5}" type="datetimeFigureOut">
-              <a:t>2022/11/14</a:t>
+              <a:t>2023/8/21</a:t>
             </a:fld>
             <a:endParaRPr kumimoji="1" lang="zh-CN" altLang="en-US"/>
           </a:p>
@@ -1393,7 +1395,7 @@
           <a:lstStyle/>
           <a:p>
             <a:fld id="{18BDB0CB-86CF-C647-9BC5-7DCD269488A5}" type="datetimeFigureOut">
-              <a:t>2022/11/14</a:t>
+              <a:t>2023/8/21</a:t>
             </a:fld>
             <a:endParaRPr kumimoji="1" lang="zh-CN" altLang="en-US"/>
           </a:p>
@@ -1803,7 +1805,7 @@
           <a:lstStyle/>
           <a:p>
             <a:fld id="{18BDB0CB-86CF-C647-9BC5-7DCD269488A5}" type="datetimeFigureOut">
-              <a:t>2022/11/14</a:t>
+              <a:t>2023/8/21</a:t>
             </a:fld>
             <a:endParaRPr kumimoji="1" lang="zh-CN" altLang="en-US"/>
           </a:p>
@@ -1942,7 +1944,7 @@
           <a:lstStyle/>
           <a:p>
             <a:fld id="{18BDB0CB-86CF-C647-9BC5-7DCD269488A5}" type="datetimeFigureOut">
-              <a:t>2022/11/14</a:t>
+              <a:t>2023/8/21</a:t>
             </a:fld>
             <a:endParaRPr kumimoji="1" lang="zh-CN" altLang="en-US"/>
           </a:p>
@@ -2053,7 +2055,7 @@
           <a:lstStyle/>
           <a:p>
             <a:fld id="{18BDB0CB-86CF-C647-9BC5-7DCD269488A5}" type="datetimeFigureOut">
-              <a:t>2022/11/14</a:t>
+              <a:t>2023/8/21</a:t>
             </a:fld>
             <a:endParaRPr kumimoji="1" lang="zh-CN" altLang="en-US"/>
           </a:p>
@@ -2362,7 +2364,7 @@
           <a:lstStyle/>
           <a:p>
             <a:fld id="{18BDB0CB-86CF-C647-9BC5-7DCD269488A5}" type="datetimeFigureOut">
-              <a:t>2022/11/14</a:t>
+              <a:t>2023/8/21</a:t>
             </a:fld>
             <a:endParaRPr kumimoji="1" lang="zh-CN" altLang="en-US"/>
           </a:p>
@@ -2648,7 +2650,7 @@
           <a:lstStyle/>
           <a:p>
             <a:fld id="{18BDB0CB-86CF-C647-9BC5-7DCD269488A5}" type="datetimeFigureOut">
-              <a:t>2022/11/14</a:t>
+              <a:t>2023/8/21</a:t>
             </a:fld>
             <a:endParaRPr kumimoji="1" lang="zh-CN" altLang="en-US"/>
           </a:p>
@@ -2887,7 +2889,7 @@
           </a:lstStyle>
           <a:p>
             <a:fld id="{18BDB0CB-86CF-C647-9BC5-7DCD269488A5}" type="datetimeFigureOut">
-              <a:t>2022/11/14</a:t>
+              <a:t>2023/8/21</a:t>
             </a:fld>
             <a:endParaRPr kumimoji="1" lang="zh-CN" altLang="en-US"/>
           </a:p>
@@ -6323,8 +6325,8 @@
             </a:fontRef>
           </p:style>
         </p:cxnSp>
-        <mc:AlternateContent xmlns:mc="http://schemas.openxmlformats.org/markup-compatibility/2006">
-          <mc:Choice xmlns:a14="http://schemas.microsoft.com/office/drawing/2010/main" Requires="a14">
+        <mc:AlternateContent xmlns:mc="http://schemas.openxmlformats.org/markup-compatibility/2006" xmlns:a14="http://schemas.microsoft.com/office/drawing/2010/main">
+          <mc:Choice Requires="a14">
             <p:sp>
               <p:nvSpPr>
                 <p:cNvPr id="46" name="文本框 45">
@@ -6393,7 +6395,7 @@
               </p:txBody>
             </p:sp>
           </mc:Choice>
-          <mc:Fallback>
+          <mc:Fallback xmlns="">
             <p:sp>
               <p:nvSpPr>
                 <p:cNvPr id="46" name="文本框 45">
@@ -6438,8 +6440,8 @@
             </p:sp>
           </mc:Fallback>
         </mc:AlternateContent>
-        <mc:AlternateContent xmlns:mc="http://schemas.openxmlformats.org/markup-compatibility/2006">
-          <mc:Choice xmlns:a14="http://schemas.microsoft.com/office/drawing/2010/main" Requires="a14">
+        <mc:AlternateContent xmlns:mc="http://schemas.openxmlformats.org/markup-compatibility/2006" xmlns:a14="http://schemas.microsoft.com/office/drawing/2010/main">
+          <mc:Choice Requires="a14">
             <p:sp>
               <p:nvSpPr>
                 <p:cNvPr id="47" name="文本框 46">
@@ -6508,7 +6510,7 @@
               </p:txBody>
             </p:sp>
           </mc:Choice>
-          <mc:Fallback>
+          <mc:Fallback xmlns="">
             <p:sp>
               <p:nvSpPr>
                 <p:cNvPr id="47" name="文本框 46">
@@ -6553,8 +6555,8 @@
             </p:sp>
           </mc:Fallback>
         </mc:AlternateContent>
-        <mc:AlternateContent xmlns:mc="http://schemas.openxmlformats.org/markup-compatibility/2006">
-          <mc:Choice xmlns:a14="http://schemas.microsoft.com/office/drawing/2010/main" Requires="a14">
+        <mc:AlternateContent xmlns:mc="http://schemas.openxmlformats.org/markup-compatibility/2006" xmlns:a14="http://schemas.microsoft.com/office/drawing/2010/main">
+          <mc:Choice Requires="a14">
             <p:sp>
               <p:nvSpPr>
                 <p:cNvPr id="48" name="文本框 47">
@@ -6583,6 +6585,7 @@
                 </a:bodyPr>
                 <a:lstStyle/>
                 <a:p>
+                  <a:pPr/>
                   <a14:m>
                     <m:oMathPara xmlns:m="http://schemas.openxmlformats.org/officeDocument/2006/math">
                       <m:oMathParaPr>
@@ -6688,7 +6691,7 @@
               </p:txBody>
             </p:sp>
           </mc:Choice>
-          <mc:Fallback>
+          <mc:Fallback xmlns="">
             <p:sp>
               <p:nvSpPr>
                 <p:cNvPr id="48" name="文本框 47">
@@ -6733,8 +6736,8 @@
             </p:sp>
           </mc:Fallback>
         </mc:AlternateContent>
-        <mc:AlternateContent xmlns:mc="http://schemas.openxmlformats.org/markup-compatibility/2006">
-          <mc:Choice xmlns:a14="http://schemas.microsoft.com/office/drawing/2010/main" Requires="a14">
+        <mc:AlternateContent xmlns:mc="http://schemas.openxmlformats.org/markup-compatibility/2006" xmlns:a14="http://schemas.microsoft.com/office/drawing/2010/main">
+          <mc:Choice Requires="a14">
             <p:sp>
               <p:nvSpPr>
                 <p:cNvPr id="49" name="文本框 48">
@@ -6763,6 +6766,7 @@
                 </a:bodyPr>
                 <a:lstStyle/>
                 <a:p>
+                  <a:pPr/>
                   <a14:m>
                     <m:oMathPara xmlns:m="http://schemas.openxmlformats.org/officeDocument/2006/math">
                       <m:oMathParaPr>
@@ -7003,7 +7007,7 @@
               </p:txBody>
             </p:sp>
           </mc:Choice>
-          <mc:Fallback>
+          <mc:Fallback xmlns="">
             <p:sp>
               <p:nvSpPr>
                 <p:cNvPr id="49" name="文本框 48">
@@ -7318,6 +7322,2026 @@
     <p:extLst>
       <p:ext uri="{BB962C8B-B14F-4D97-AF65-F5344CB8AC3E}">
         <p14:creationId xmlns:p14="http://schemas.microsoft.com/office/powerpoint/2010/main" val="2599807390"/>
+      </p:ext>
+    </p:extLst>
+  </p:cSld>
+  <p:clrMapOvr>
+    <a:masterClrMapping/>
+  </p:clrMapOvr>
+</p:sld>
+</file>
+
+<file path=ppt/slides/slide3.xml><?xml version="1.0" encoding="utf-8"?>
+<p:sld xmlns:a="http://schemas.openxmlformats.org/drawingml/2006/main" xmlns:r="http://schemas.openxmlformats.org/officeDocument/2006/relationships" xmlns:p="http://schemas.openxmlformats.org/presentationml/2006/main">
+  <p:cSld>
+    <p:spTree>
+      <p:nvGrpSpPr>
+        <p:cNvPr id="1" name=""/>
+        <p:cNvGrpSpPr/>
+        <p:nvPr/>
+      </p:nvGrpSpPr>
+      <p:grpSpPr>
+        <a:xfrm>
+          <a:off x="0" y="0"/>
+          <a:ext cx="0" cy="0"/>
+          <a:chOff x="0" y="0"/>
+          <a:chExt cx="0" cy="0"/>
+        </a:xfrm>
+      </p:grpSpPr>
+      <p:grpSp>
+        <p:nvGrpSpPr>
+          <p:cNvPr id="69" name="组合 68">
+            <a:extLst>
+              <a:ext uri="{FF2B5EF4-FFF2-40B4-BE49-F238E27FC236}">
+                <a16:creationId xmlns:a16="http://schemas.microsoft.com/office/drawing/2014/main" id="{F2984285-7305-B57E-8C43-D0E5E6ACA93A}"/>
+              </a:ext>
+            </a:extLst>
+          </p:cNvPr>
+          <p:cNvGrpSpPr/>
+          <p:nvPr/>
+        </p:nvGrpSpPr>
+        <p:grpSpPr>
+          <a:xfrm>
+            <a:off x="2127862" y="451605"/>
+            <a:ext cx="4989062" cy="4753792"/>
+            <a:chOff x="2127862" y="451605"/>
+            <a:chExt cx="4989062" cy="4753792"/>
+          </a:xfrm>
+        </p:grpSpPr>
+        <p:sp>
+          <p:nvSpPr>
+            <p:cNvPr id="2" name="圆角矩形 5">
+              <a:extLst>
+                <a:ext uri="{FF2B5EF4-FFF2-40B4-BE49-F238E27FC236}">
+                  <a16:creationId xmlns:a16="http://schemas.microsoft.com/office/drawing/2014/main" id="{E4C9BA22-91E1-33B6-5B08-F87995AC4AEE}"/>
+                </a:ext>
+              </a:extLst>
+            </p:cNvPr>
+            <p:cNvSpPr/>
+            <p:nvPr/>
+          </p:nvSpPr>
+          <p:spPr>
+            <a:xfrm>
+              <a:off x="4082393" y="993201"/>
+              <a:ext cx="1080000" cy="540000"/>
+            </a:xfrm>
+            <a:prstGeom prst="roundRect">
+              <a:avLst/>
+            </a:prstGeom>
+            <a:solidFill>
+              <a:schemeClr val="accent1">
+                <a:lumMod val="20000"/>
+                <a:lumOff val="80000"/>
+              </a:schemeClr>
+            </a:solidFill>
+            <a:ln>
+              <a:solidFill>
+                <a:schemeClr val="tx1"/>
+              </a:solidFill>
+            </a:ln>
+          </p:spPr>
+          <p:style>
+            <a:lnRef idx="2">
+              <a:schemeClr val="accent1">
+                <a:shade val="50000"/>
+              </a:schemeClr>
+            </a:lnRef>
+            <a:fillRef idx="1">
+              <a:schemeClr val="accent1"/>
+            </a:fillRef>
+            <a:effectRef idx="0">
+              <a:schemeClr val="accent1"/>
+            </a:effectRef>
+            <a:fontRef idx="minor">
+              <a:schemeClr val="lt1"/>
+            </a:fontRef>
+          </p:style>
+          <p:txBody>
+            <a:bodyPr rtlCol="0" anchor="ctr"/>
+            <a:lstStyle/>
+            <a:p>
+              <a:pPr algn="ctr"/>
+              <a:r>
+                <a:rPr kumimoji="1" lang="zh-CN" altLang="en-US" sz="1600">
+                  <a:solidFill>
+                    <a:schemeClr val="tx1"/>
+                  </a:solidFill>
+                  <a:latin typeface="SimSun" panose="02010600030101010101" pitchFamily="2" charset="-122"/>
+                  <a:ea typeface="SimSun" panose="02010600030101010101" pitchFamily="2" charset="-122"/>
+                </a:rPr>
+                <a:t>导航工具</a:t>
+              </a:r>
+            </a:p>
+          </p:txBody>
+        </p:sp>
+        <p:sp>
+          <p:nvSpPr>
+            <p:cNvPr id="3" name="圆角矩形 5">
+              <a:extLst>
+                <a:ext uri="{FF2B5EF4-FFF2-40B4-BE49-F238E27FC236}">
+                  <a16:creationId xmlns:a16="http://schemas.microsoft.com/office/drawing/2014/main" id="{2388165F-1D67-6C3D-829B-2B3F612A00A9}"/>
+                </a:ext>
+              </a:extLst>
+            </p:cNvPr>
+            <p:cNvSpPr/>
+            <p:nvPr/>
+          </p:nvSpPr>
+          <p:spPr>
+            <a:xfrm>
+              <a:off x="4082393" y="3540010"/>
+              <a:ext cx="1080000" cy="540000"/>
+            </a:xfrm>
+            <a:prstGeom prst="roundRect">
+              <a:avLst/>
+            </a:prstGeom>
+            <a:solidFill>
+              <a:schemeClr val="accent4">
+                <a:lumMod val="20000"/>
+                <a:lumOff val="80000"/>
+              </a:schemeClr>
+            </a:solidFill>
+            <a:ln>
+              <a:solidFill>
+                <a:schemeClr val="tx1"/>
+              </a:solidFill>
+            </a:ln>
+          </p:spPr>
+          <p:style>
+            <a:lnRef idx="2">
+              <a:schemeClr val="accent1">
+                <a:shade val="50000"/>
+              </a:schemeClr>
+            </a:lnRef>
+            <a:fillRef idx="1">
+              <a:schemeClr val="accent1"/>
+            </a:fillRef>
+            <a:effectRef idx="0">
+              <a:schemeClr val="accent1"/>
+            </a:effectRef>
+            <a:fontRef idx="minor">
+              <a:schemeClr val="lt1"/>
+            </a:fontRef>
+          </p:style>
+          <p:txBody>
+            <a:bodyPr rtlCol="0" anchor="ctr"/>
+            <a:lstStyle/>
+            <a:p>
+              <a:pPr algn="ctr"/>
+              <a:r>
+                <a:rPr kumimoji="1" lang="zh-CN" altLang="en-US" sz="1600">
+                  <a:solidFill>
+                    <a:schemeClr val="tx1"/>
+                  </a:solidFill>
+                  <a:latin typeface="SimSun" panose="02010600030101010101" pitchFamily="2" charset="-122"/>
+                  <a:ea typeface="SimSun" panose="02010600030101010101" pitchFamily="2" charset="-122"/>
+                </a:rPr>
+                <a:t>驾驶员</a:t>
+              </a:r>
+            </a:p>
+          </p:txBody>
+        </p:sp>
+        <p:sp>
+          <p:nvSpPr>
+            <p:cNvPr id="5" name="圆角矩形 5">
+              <a:extLst>
+                <a:ext uri="{FF2B5EF4-FFF2-40B4-BE49-F238E27FC236}">
+                  <a16:creationId xmlns:a16="http://schemas.microsoft.com/office/drawing/2014/main" id="{8642FC85-A4A1-5D92-B1D3-5BB6BD7B7FD9}"/>
+                </a:ext>
+              </a:extLst>
+            </p:cNvPr>
+            <p:cNvSpPr/>
+            <p:nvPr/>
+          </p:nvSpPr>
+          <p:spPr>
+            <a:xfrm>
+              <a:off x="2127862" y="2075990"/>
+              <a:ext cx="1080000" cy="540000"/>
+            </a:xfrm>
+            <a:prstGeom prst="roundRect">
+              <a:avLst/>
+            </a:prstGeom>
+            <a:solidFill>
+              <a:schemeClr val="bg1"/>
+            </a:solidFill>
+            <a:ln>
+              <a:solidFill>
+                <a:schemeClr val="tx1"/>
+              </a:solidFill>
+            </a:ln>
+          </p:spPr>
+          <p:style>
+            <a:lnRef idx="2">
+              <a:schemeClr val="accent1">
+                <a:shade val="50000"/>
+              </a:schemeClr>
+            </a:lnRef>
+            <a:fillRef idx="1">
+              <a:schemeClr val="accent1"/>
+            </a:fillRef>
+            <a:effectRef idx="0">
+              <a:schemeClr val="accent1"/>
+            </a:effectRef>
+            <a:fontRef idx="minor">
+              <a:schemeClr val="lt1"/>
+            </a:fontRef>
+          </p:style>
+          <p:txBody>
+            <a:bodyPr rtlCol="0" anchor="ctr"/>
+            <a:lstStyle/>
+            <a:p>
+              <a:pPr algn="ctr"/>
+              <a:r>
+                <a:rPr kumimoji="1" lang="zh-CN" altLang="en-US" sz="1600">
+                  <a:solidFill>
+                    <a:schemeClr val="tx1"/>
+                  </a:solidFill>
+                  <a:latin typeface="SimSun" panose="02010600030101010101" pitchFamily="2" charset="-122"/>
+                  <a:ea typeface="SimSun" panose="02010600030101010101" pitchFamily="2" charset="-122"/>
+                </a:rPr>
+                <a:t>道路状态</a:t>
+              </a:r>
+            </a:p>
+          </p:txBody>
+        </p:sp>
+        <p:sp>
+          <p:nvSpPr>
+            <p:cNvPr id="11" name="圆角矩形 5">
+              <a:extLst>
+                <a:ext uri="{FF2B5EF4-FFF2-40B4-BE49-F238E27FC236}">
+                  <a16:creationId xmlns:a16="http://schemas.microsoft.com/office/drawing/2014/main" id="{1A77D2C0-48BA-29EE-6C36-44F0B544AE3A}"/>
+                </a:ext>
+              </a:extLst>
+            </p:cNvPr>
+            <p:cNvSpPr/>
+            <p:nvPr/>
+          </p:nvSpPr>
+          <p:spPr>
+            <a:xfrm>
+              <a:off x="4082393" y="2043833"/>
+              <a:ext cx="1080000" cy="540000"/>
+            </a:xfrm>
+            <a:prstGeom prst="roundRect">
+              <a:avLst/>
+            </a:prstGeom>
+            <a:solidFill>
+              <a:schemeClr val="accent4">
+                <a:lumMod val="20000"/>
+                <a:lumOff val="80000"/>
+              </a:schemeClr>
+            </a:solidFill>
+            <a:ln>
+              <a:solidFill>
+                <a:schemeClr val="tx1"/>
+              </a:solidFill>
+            </a:ln>
+          </p:spPr>
+          <p:style>
+            <a:lnRef idx="2">
+              <a:schemeClr val="accent1">
+                <a:shade val="50000"/>
+              </a:schemeClr>
+            </a:lnRef>
+            <a:fillRef idx="1">
+              <a:schemeClr val="accent1"/>
+            </a:fillRef>
+            <a:effectRef idx="0">
+              <a:schemeClr val="accent1"/>
+            </a:effectRef>
+            <a:fontRef idx="minor">
+              <a:schemeClr val="lt1"/>
+            </a:fontRef>
+          </p:style>
+          <p:txBody>
+            <a:bodyPr rtlCol="0" anchor="ctr"/>
+            <a:lstStyle/>
+            <a:p>
+              <a:pPr algn="ctr"/>
+              <a:r>
+                <a:rPr kumimoji="1" lang="zh-CN" altLang="en-US" sz="1600">
+                  <a:solidFill>
+                    <a:schemeClr val="tx1"/>
+                  </a:solidFill>
+                  <a:latin typeface="SimSun" panose="02010600030101010101" pitchFamily="2" charset="-122"/>
+                  <a:ea typeface="SimSun" panose="02010600030101010101" pitchFamily="2" charset="-122"/>
+                </a:rPr>
+                <a:t>驾驶员</a:t>
+              </a:r>
+            </a:p>
+          </p:txBody>
+        </p:sp>
+        <p:sp>
+          <p:nvSpPr>
+            <p:cNvPr id="16" name="圆角矩形 5">
+              <a:extLst>
+                <a:ext uri="{FF2B5EF4-FFF2-40B4-BE49-F238E27FC236}">
+                  <a16:creationId xmlns:a16="http://schemas.microsoft.com/office/drawing/2014/main" id="{4A87D62C-541F-2510-E1BF-4F2D93CCD266}"/>
+                </a:ext>
+              </a:extLst>
+            </p:cNvPr>
+            <p:cNvSpPr/>
+            <p:nvPr/>
+          </p:nvSpPr>
+          <p:spPr>
+            <a:xfrm>
+              <a:off x="2127862" y="3540010"/>
+              <a:ext cx="1080000" cy="540000"/>
+            </a:xfrm>
+            <a:prstGeom prst="roundRect">
+              <a:avLst/>
+            </a:prstGeom>
+            <a:solidFill>
+              <a:schemeClr val="bg1"/>
+            </a:solidFill>
+            <a:ln>
+              <a:solidFill>
+                <a:schemeClr val="tx1"/>
+              </a:solidFill>
+            </a:ln>
+          </p:spPr>
+          <p:style>
+            <a:lnRef idx="2">
+              <a:schemeClr val="accent1">
+                <a:shade val="50000"/>
+              </a:schemeClr>
+            </a:lnRef>
+            <a:fillRef idx="1">
+              <a:schemeClr val="accent1"/>
+            </a:fillRef>
+            <a:effectRef idx="0">
+              <a:schemeClr val="accent1"/>
+            </a:effectRef>
+            <a:fontRef idx="minor">
+              <a:schemeClr val="lt1"/>
+            </a:fontRef>
+          </p:style>
+          <p:txBody>
+            <a:bodyPr rtlCol="0" anchor="ctr"/>
+            <a:lstStyle/>
+            <a:p>
+              <a:pPr algn="ctr"/>
+              <a:r>
+                <a:rPr kumimoji="1" lang="zh-CN" altLang="en-US" sz="1600">
+                  <a:solidFill>
+                    <a:schemeClr val="tx1"/>
+                  </a:solidFill>
+                  <a:latin typeface="SimSun" panose="02010600030101010101" pitchFamily="2" charset="-122"/>
+                  <a:ea typeface="SimSun" panose="02010600030101010101" pitchFamily="2" charset="-122"/>
+                </a:rPr>
+                <a:t>道路状态</a:t>
+              </a:r>
+            </a:p>
+          </p:txBody>
+        </p:sp>
+        <p:sp>
+          <p:nvSpPr>
+            <p:cNvPr id="19" name="圆角矩形 5">
+              <a:extLst>
+                <a:ext uri="{FF2B5EF4-FFF2-40B4-BE49-F238E27FC236}">
+                  <a16:creationId xmlns:a16="http://schemas.microsoft.com/office/drawing/2014/main" id="{A5A3926A-A1E1-CF6D-1A06-117244C0B01E}"/>
+                </a:ext>
+              </a:extLst>
+            </p:cNvPr>
+            <p:cNvSpPr/>
+            <p:nvPr/>
+          </p:nvSpPr>
+          <p:spPr>
+            <a:xfrm>
+              <a:off x="6036924" y="3540010"/>
+              <a:ext cx="1080000" cy="540000"/>
+            </a:xfrm>
+            <a:prstGeom prst="roundRect">
+              <a:avLst/>
+            </a:prstGeom>
+            <a:solidFill>
+              <a:schemeClr val="bg1"/>
+            </a:solidFill>
+            <a:ln>
+              <a:solidFill>
+                <a:schemeClr val="tx1"/>
+              </a:solidFill>
+            </a:ln>
+          </p:spPr>
+          <p:style>
+            <a:lnRef idx="2">
+              <a:schemeClr val="accent1">
+                <a:shade val="50000"/>
+              </a:schemeClr>
+            </a:lnRef>
+            <a:fillRef idx="1">
+              <a:schemeClr val="accent1"/>
+            </a:fillRef>
+            <a:effectRef idx="0">
+              <a:schemeClr val="accent1"/>
+            </a:effectRef>
+            <a:fontRef idx="minor">
+              <a:schemeClr val="lt1"/>
+            </a:fontRef>
+          </p:style>
+          <p:txBody>
+            <a:bodyPr rtlCol="0" anchor="ctr"/>
+            <a:lstStyle/>
+            <a:p>
+              <a:pPr algn="ctr"/>
+              <a:r>
+                <a:rPr kumimoji="1" lang="zh-CN" altLang="en-US" sz="1600">
+                  <a:solidFill>
+                    <a:schemeClr val="tx1"/>
+                  </a:solidFill>
+                  <a:latin typeface="SimSun" panose="02010600030101010101" pitchFamily="2" charset="-122"/>
+                  <a:ea typeface="SimSun" panose="02010600030101010101" pitchFamily="2" charset="-122"/>
+                </a:rPr>
+                <a:t>动作</a:t>
+              </a:r>
+            </a:p>
+          </p:txBody>
+        </p:sp>
+        <p:sp>
+          <p:nvSpPr>
+            <p:cNvPr id="27" name="圆角矩形 5">
+              <a:extLst>
+                <a:ext uri="{FF2B5EF4-FFF2-40B4-BE49-F238E27FC236}">
+                  <a16:creationId xmlns:a16="http://schemas.microsoft.com/office/drawing/2014/main" id="{A111435E-8C93-3F82-8A01-813EF7B69C2B}"/>
+                </a:ext>
+              </a:extLst>
+            </p:cNvPr>
+            <p:cNvSpPr/>
+            <p:nvPr/>
+          </p:nvSpPr>
+          <p:spPr>
+            <a:xfrm>
+              <a:off x="4082393" y="4665397"/>
+              <a:ext cx="1080000" cy="540000"/>
+            </a:xfrm>
+            <a:prstGeom prst="roundRect">
+              <a:avLst/>
+            </a:prstGeom>
+            <a:solidFill>
+              <a:schemeClr val="accent1">
+                <a:lumMod val="20000"/>
+                <a:lumOff val="80000"/>
+              </a:schemeClr>
+            </a:solidFill>
+            <a:ln>
+              <a:solidFill>
+                <a:schemeClr val="tx1"/>
+              </a:solidFill>
+            </a:ln>
+          </p:spPr>
+          <p:style>
+            <a:lnRef idx="2">
+              <a:schemeClr val="accent1">
+                <a:shade val="50000"/>
+              </a:schemeClr>
+            </a:lnRef>
+            <a:fillRef idx="1">
+              <a:schemeClr val="accent1"/>
+            </a:fillRef>
+            <a:effectRef idx="0">
+              <a:schemeClr val="accent1"/>
+            </a:effectRef>
+            <a:fontRef idx="minor">
+              <a:schemeClr val="lt1"/>
+            </a:fontRef>
+          </p:style>
+          <p:txBody>
+            <a:bodyPr rtlCol="0" anchor="ctr"/>
+            <a:lstStyle/>
+            <a:p>
+              <a:pPr algn="ctr"/>
+              <a:r>
+                <a:rPr kumimoji="1" lang="zh-CN" altLang="en-US" sz="1600">
+                  <a:solidFill>
+                    <a:schemeClr val="tx1"/>
+                  </a:solidFill>
+                  <a:latin typeface="SimSun" panose="02010600030101010101" pitchFamily="2" charset="-122"/>
+                  <a:ea typeface="SimSun" panose="02010600030101010101" pitchFamily="2" charset="-122"/>
+                </a:rPr>
+                <a:t>导航工具</a:t>
+              </a:r>
+            </a:p>
+          </p:txBody>
+        </p:sp>
+        <p:cxnSp>
+          <p:nvCxnSpPr>
+            <p:cNvPr id="31" name="直接箭头连接符 30">
+              <a:extLst>
+                <a:ext uri="{FF2B5EF4-FFF2-40B4-BE49-F238E27FC236}">
+                  <a16:creationId xmlns:a16="http://schemas.microsoft.com/office/drawing/2014/main" id="{69A9E4D3-0E65-E468-D0FC-75E1C683C558}"/>
+                </a:ext>
+              </a:extLst>
+            </p:cNvPr>
+            <p:cNvCxnSpPr>
+              <a:cxnSpLocks/>
+              <a:stCxn id="5" idx="3"/>
+              <a:endCxn id="2" idx="1"/>
+            </p:cNvCxnSpPr>
+            <p:nvPr/>
+          </p:nvCxnSpPr>
+          <p:spPr>
+            <a:xfrm flipV="1">
+              <a:off x="3207862" y="1263201"/>
+              <a:ext cx="874531" cy="1082789"/>
+            </a:xfrm>
+            <a:prstGeom prst="straightConnector1">
+              <a:avLst/>
+            </a:prstGeom>
+            <a:ln w="12700">
+              <a:solidFill>
+                <a:schemeClr val="tx1"/>
+              </a:solidFill>
+              <a:tailEnd type="stealth"/>
+            </a:ln>
+          </p:spPr>
+          <p:style>
+            <a:lnRef idx="1">
+              <a:schemeClr val="accent1"/>
+            </a:lnRef>
+            <a:fillRef idx="0">
+              <a:schemeClr val="accent1"/>
+            </a:fillRef>
+            <a:effectRef idx="0">
+              <a:schemeClr val="accent1"/>
+            </a:effectRef>
+            <a:fontRef idx="minor">
+              <a:schemeClr val="tx1"/>
+            </a:fontRef>
+          </p:style>
+        </p:cxnSp>
+        <p:sp>
+          <p:nvSpPr>
+            <p:cNvPr id="33" name="圆角矩形 5">
+              <a:extLst>
+                <a:ext uri="{FF2B5EF4-FFF2-40B4-BE49-F238E27FC236}">
+                  <a16:creationId xmlns:a16="http://schemas.microsoft.com/office/drawing/2014/main" id="{1078ED53-0736-0CB8-C496-2DDCEFF0470D}"/>
+                </a:ext>
+              </a:extLst>
+            </p:cNvPr>
+            <p:cNvSpPr/>
+            <p:nvPr/>
+          </p:nvSpPr>
+          <p:spPr>
+            <a:xfrm>
+              <a:off x="6036924" y="2039089"/>
+              <a:ext cx="1080000" cy="540000"/>
+            </a:xfrm>
+            <a:prstGeom prst="roundRect">
+              <a:avLst/>
+            </a:prstGeom>
+            <a:solidFill>
+              <a:schemeClr val="bg1"/>
+            </a:solidFill>
+            <a:ln>
+              <a:solidFill>
+                <a:schemeClr val="tx1"/>
+              </a:solidFill>
+            </a:ln>
+          </p:spPr>
+          <p:style>
+            <a:lnRef idx="2">
+              <a:schemeClr val="accent1">
+                <a:shade val="50000"/>
+              </a:schemeClr>
+            </a:lnRef>
+            <a:fillRef idx="1">
+              <a:schemeClr val="accent1"/>
+            </a:fillRef>
+            <a:effectRef idx="0">
+              <a:schemeClr val="accent1"/>
+            </a:effectRef>
+            <a:fontRef idx="minor">
+              <a:schemeClr val="lt1"/>
+            </a:fontRef>
+          </p:style>
+          <p:txBody>
+            <a:bodyPr rtlCol="0" anchor="ctr"/>
+            <a:lstStyle/>
+            <a:p>
+              <a:pPr algn="ctr"/>
+              <a:r>
+                <a:rPr kumimoji="1" lang="zh-CN" altLang="en-US" sz="1600">
+                  <a:solidFill>
+                    <a:schemeClr val="tx1"/>
+                  </a:solidFill>
+                  <a:latin typeface="SimSun" panose="02010600030101010101" pitchFamily="2" charset="-122"/>
+                  <a:ea typeface="SimSun" panose="02010600030101010101" pitchFamily="2" charset="-122"/>
+                </a:rPr>
+                <a:t>动作</a:t>
+              </a:r>
+            </a:p>
+          </p:txBody>
+        </p:sp>
+        <p:sp>
+          <p:nvSpPr>
+            <p:cNvPr id="37" name="文本框 36">
+              <a:extLst>
+                <a:ext uri="{FF2B5EF4-FFF2-40B4-BE49-F238E27FC236}">
+                  <a16:creationId xmlns:a16="http://schemas.microsoft.com/office/drawing/2014/main" id="{AA1E52CC-7EC0-1A5D-B5B5-480885CA0E8E}"/>
+                </a:ext>
+              </a:extLst>
+            </p:cNvPr>
+            <p:cNvSpPr txBox="1"/>
+            <p:nvPr/>
+          </p:nvSpPr>
+          <p:spPr>
+            <a:xfrm>
+              <a:off x="3722144" y="451605"/>
+              <a:ext cx="1800493" cy="369332"/>
+            </a:xfrm>
+            <a:prstGeom prst="rect">
+              <a:avLst/>
+            </a:prstGeom>
+            <a:noFill/>
+          </p:spPr>
+          <p:txBody>
+            <a:bodyPr wrap="none" rtlCol="0">
+              <a:spAutoFit/>
+            </a:bodyPr>
+            <a:lstStyle/>
+            <a:p>
+              <a:r>
+                <a:rPr lang="zh-CN" altLang="en-US" b="1">
+                  <a:latin typeface="宋体" panose="02010600030101010101" pitchFamily="2" charset="-122"/>
+                  <a:ea typeface="宋体" panose="02010600030101010101" pitchFamily="2" charset="-122"/>
+                </a:rPr>
+                <a:t>基于价值的算法</a:t>
+              </a:r>
+            </a:p>
+          </p:txBody>
+        </p:sp>
+        <p:sp>
+          <p:nvSpPr>
+            <p:cNvPr id="38" name="文本框 37">
+              <a:extLst>
+                <a:ext uri="{FF2B5EF4-FFF2-40B4-BE49-F238E27FC236}">
+                  <a16:creationId xmlns:a16="http://schemas.microsoft.com/office/drawing/2014/main" id="{904FCF26-FC11-30D5-F4E3-323A05065EDA}"/>
+                </a:ext>
+              </a:extLst>
+            </p:cNvPr>
+            <p:cNvSpPr txBox="1"/>
+            <p:nvPr/>
+          </p:nvSpPr>
+          <p:spPr>
+            <a:xfrm>
+              <a:off x="3722143" y="2934602"/>
+              <a:ext cx="1800493" cy="369332"/>
+            </a:xfrm>
+            <a:prstGeom prst="rect">
+              <a:avLst/>
+            </a:prstGeom>
+            <a:noFill/>
+          </p:spPr>
+          <p:txBody>
+            <a:bodyPr wrap="none" rtlCol="0">
+              <a:spAutoFit/>
+            </a:bodyPr>
+            <a:lstStyle/>
+            <a:p>
+              <a:r>
+                <a:rPr lang="zh-CN" altLang="en-US" b="1">
+                  <a:latin typeface="宋体" panose="02010600030101010101" pitchFamily="2" charset="-122"/>
+                  <a:ea typeface="宋体" panose="02010600030101010101" pitchFamily="2" charset="-122"/>
+                </a:rPr>
+                <a:t>基于策略的算法</a:t>
+              </a:r>
+            </a:p>
+          </p:txBody>
+        </p:sp>
+        <p:cxnSp>
+          <p:nvCxnSpPr>
+            <p:cNvPr id="42" name="直接箭头连接符 41">
+              <a:extLst>
+                <a:ext uri="{FF2B5EF4-FFF2-40B4-BE49-F238E27FC236}">
+                  <a16:creationId xmlns:a16="http://schemas.microsoft.com/office/drawing/2014/main" id="{C620BDB2-BAF6-82DD-31C8-96D3B0DBEFB6}"/>
+                </a:ext>
+              </a:extLst>
+            </p:cNvPr>
+            <p:cNvCxnSpPr>
+              <a:cxnSpLocks/>
+              <a:stCxn id="2" idx="2"/>
+              <a:endCxn id="11" idx="0"/>
+            </p:cNvCxnSpPr>
+            <p:nvPr/>
+          </p:nvCxnSpPr>
+          <p:spPr>
+            <a:xfrm>
+              <a:off x="4622393" y="1533201"/>
+              <a:ext cx="0" cy="510632"/>
+            </a:xfrm>
+            <a:prstGeom prst="straightConnector1">
+              <a:avLst/>
+            </a:prstGeom>
+            <a:ln w="12700">
+              <a:solidFill>
+                <a:schemeClr val="tx1"/>
+              </a:solidFill>
+              <a:tailEnd type="stealth"/>
+            </a:ln>
+          </p:spPr>
+          <p:style>
+            <a:lnRef idx="1">
+              <a:schemeClr val="accent1"/>
+            </a:lnRef>
+            <a:fillRef idx="0">
+              <a:schemeClr val="accent1"/>
+            </a:fillRef>
+            <a:effectRef idx="0">
+              <a:schemeClr val="accent1"/>
+            </a:effectRef>
+            <a:fontRef idx="minor">
+              <a:schemeClr val="tx1"/>
+            </a:fontRef>
+          </p:style>
+        </p:cxnSp>
+        <p:cxnSp>
+          <p:nvCxnSpPr>
+            <p:cNvPr id="44" name="直接箭头连接符 43">
+              <a:extLst>
+                <a:ext uri="{FF2B5EF4-FFF2-40B4-BE49-F238E27FC236}">
+                  <a16:creationId xmlns:a16="http://schemas.microsoft.com/office/drawing/2014/main" id="{EB4637BD-689E-7B77-93E2-169E08DD6905}"/>
+                </a:ext>
+              </a:extLst>
+            </p:cNvPr>
+            <p:cNvCxnSpPr>
+              <a:stCxn id="11" idx="3"/>
+              <a:endCxn id="33" idx="1"/>
+            </p:cNvCxnSpPr>
+            <p:nvPr/>
+          </p:nvCxnSpPr>
+          <p:spPr>
+            <a:xfrm flipV="1">
+              <a:off x="5162393" y="2309089"/>
+              <a:ext cx="874531" cy="4744"/>
+            </a:xfrm>
+            <a:prstGeom prst="straightConnector1">
+              <a:avLst/>
+            </a:prstGeom>
+            <a:ln w="12700">
+              <a:solidFill>
+                <a:schemeClr val="tx1"/>
+              </a:solidFill>
+              <a:tailEnd type="stealth"/>
+            </a:ln>
+          </p:spPr>
+          <p:style>
+            <a:lnRef idx="1">
+              <a:schemeClr val="accent1"/>
+            </a:lnRef>
+            <a:fillRef idx="0">
+              <a:schemeClr val="accent1"/>
+            </a:fillRef>
+            <a:effectRef idx="0">
+              <a:schemeClr val="accent1"/>
+            </a:effectRef>
+            <a:fontRef idx="minor">
+              <a:schemeClr val="tx1"/>
+            </a:fontRef>
+          </p:style>
+        </p:cxnSp>
+        <p:sp>
+          <p:nvSpPr>
+            <p:cNvPr id="47" name="文本框 46">
+              <a:extLst>
+                <a:ext uri="{FF2B5EF4-FFF2-40B4-BE49-F238E27FC236}">
+                  <a16:creationId xmlns:a16="http://schemas.microsoft.com/office/drawing/2014/main" id="{10F47B41-2F60-14F3-39E1-28584EA9B87D}"/>
+                </a:ext>
+              </a:extLst>
+            </p:cNvPr>
+            <p:cNvSpPr txBox="1"/>
+            <p:nvPr/>
+          </p:nvSpPr>
+          <p:spPr>
+            <a:xfrm>
+              <a:off x="4622391" y="1613605"/>
+              <a:ext cx="595035" cy="338554"/>
+            </a:xfrm>
+            <a:prstGeom prst="rect">
+              <a:avLst/>
+            </a:prstGeom>
+            <a:noFill/>
+          </p:spPr>
+          <p:txBody>
+            <a:bodyPr wrap="none" rtlCol="0">
+              <a:spAutoFit/>
+            </a:bodyPr>
+            <a:lstStyle/>
+            <a:p>
+              <a:r>
+                <a:rPr lang="zh-CN" altLang="en-US" sz="1600">
+                  <a:latin typeface="宋体" panose="02010600030101010101" pitchFamily="2" charset="-122"/>
+                  <a:ea typeface="宋体" panose="02010600030101010101" pitchFamily="2" charset="-122"/>
+                </a:rPr>
+                <a:t>决策</a:t>
+              </a:r>
+            </a:p>
+          </p:txBody>
+        </p:sp>
+        <p:sp>
+          <p:nvSpPr>
+            <p:cNvPr id="48" name="文本框 47">
+              <a:extLst>
+                <a:ext uri="{FF2B5EF4-FFF2-40B4-BE49-F238E27FC236}">
+                  <a16:creationId xmlns:a16="http://schemas.microsoft.com/office/drawing/2014/main" id="{459470FC-026F-FC40-574D-775F692FE496}"/>
+                </a:ext>
+              </a:extLst>
+            </p:cNvPr>
+            <p:cNvSpPr txBox="1"/>
+            <p:nvPr/>
+          </p:nvSpPr>
+          <p:spPr>
+            <a:xfrm>
+              <a:off x="5302139" y="1975279"/>
+              <a:ext cx="595035" cy="338554"/>
+            </a:xfrm>
+            <a:prstGeom prst="rect">
+              <a:avLst/>
+            </a:prstGeom>
+            <a:noFill/>
+          </p:spPr>
+          <p:txBody>
+            <a:bodyPr wrap="none" rtlCol="0">
+              <a:spAutoFit/>
+            </a:bodyPr>
+            <a:lstStyle/>
+            <a:p>
+              <a:r>
+                <a:rPr lang="zh-CN" altLang="en-US" sz="1600">
+                  <a:latin typeface="宋体" panose="02010600030101010101" pitchFamily="2" charset="-122"/>
+                  <a:ea typeface="宋体" panose="02010600030101010101" pitchFamily="2" charset="-122"/>
+                </a:rPr>
+                <a:t>执行</a:t>
+              </a:r>
+            </a:p>
+          </p:txBody>
+        </p:sp>
+        <p:cxnSp>
+          <p:nvCxnSpPr>
+            <p:cNvPr id="50" name="直接箭头连接符 49">
+              <a:extLst>
+                <a:ext uri="{FF2B5EF4-FFF2-40B4-BE49-F238E27FC236}">
+                  <a16:creationId xmlns:a16="http://schemas.microsoft.com/office/drawing/2014/main" id="{611A6121-C76F-2DD8-D5D7-6924E07F43B7}"/>
+                </a:ext>
+              </a:extLst>
+            </p:cNvPr>
+            <p:cNvCxnSpPr>
+              <a:stCxn id="16" idx="3"/>
+              <a:endCxn id="3" idx="1"/>
+            </p:cNvCxnSpPr>
+            <p:nvPr/>
+          </p:nvCxnSpPr>
+          <p:spPr>
+            <a:xfrm>
+              <a:off x="3207862" y="3810010"/>
+              <a:ext cx="874531" cy="0"/>
+            </a:xfrm>
+            <a:prstGeom prst="straightConnector1">
+              <a:avLst/>
+            </a:prstGeom>
+            <a:ln w="12700">
+              <a:solidFill>
+                <a:schemeClr val="tx1"/>
+              </a:solidFill>
+              <a:tailEnd type="stealth"/>
+            </a:ln>
+          </p:spPr>
+          <p:style>
+            <a:lnRef idx="1">
+              <a:schemeClr val="accent1"/>
+            </a:lnRef>
+            <a:fillRef idx="0">
+              <a:schemeClr val="accent1"/>
+            </a:fillRef>
+            <a:effectRef idx="0">
+              <a:schemeClr val="accent1"/>
+            </a:effectRef>
+            <a:fontRef idx="minor">
+              <a:schemeClr val="tx1"/>
+            </a:fontRef>
+          </p:style>
+        </p:cxnSp>
+        <p:cxnSp>
+          <p:nvCxnSpPr>
+            <p:cNvPr id="52" name="直接箭头连接符 51">
+              <a:extLst>
+                <a:ext uri="{FF2B5EF4-FFF2-40B4-BE49-F238E27FC236}">
+                  <a16:creationId xmlns:a16="http://schemas.microsoft.com/office/drawing/2014/main" id="{B2A59DD3-DCE8-A0E7-45D5-5397B2F66A6D}"/>
+                </a:ext>
+              </a:extLst>
+            </p:cNvPr>
+            <p:cNvCxnSpPr>
+              <a:stCxn id="27" idx="0"/>
+              <a:endCxn id="3" idx="2"/>
+            </p:cNvCxnSpPr>
+            <p:nvPr/>
+          </p:nvCxnSpPr>
+          <p:spPr>
+            <a:xfrm flipV="1">
+              <a:off x="4622393" y="4080010"/>
+              <a:ext cx="0" cy="585387"/>
+            </a:xfrm>
+            <a:prstGeom prst="straightConnector1">
+              <a:avLst/>
+            </a:prstGeom>
+            <a:ln w="12700">
+              <a:solidFill>
+                <a:schemeClr val="tx1"/>
+              </a:solidFill>
+              <a:tailEnd type="stealth"/>
+            </a:ln>
+          </p:spPr>
+          <p:style>
+            <a:lnRef idx="1">
+              <a:schemeClr val="accent1"/>
+            </a:lnRef>
+            <a:fillRef idx="0">
+              <a:schemeClr val="accent1"/>
+            </a:fillRef>
+            <a:effectRef idx="0">
+              <a:schemeClr val="accent1"/>
+            </a:effectRef>
+            <a:fontRef idx="minor">
+              <a:schemeClr val="tx1"/>
+            </a:fontRef>
+          </p:style>
+        </p:cxnSp>
+        <p:cxnSp>
+          <p:nvCxnSpPr>
+            <p:cNvPr id="54" name="直接箭头连接符 53">
+              <a:extLst>
+                <a:ext uri="{FF2B5EF4-FFF2-40B4-BE49-F238E27FC236}">
+                  <a16:creationId xmlns:a16="http://schemas.microsoft.com/office/drawing/2014/main" id="{771E1CDE-2FC0-2FE0-5F1F-1A8379E58BC4}"/>
+                </a:ext>
+              </a:extLst>
+            </p:cNvPr>
+            <p:cNvCxnSpPr>
+              <a:stCxn id="3" idx="3"/>
+              <a:endCxn id="19" idx="1"/>
+            </p:cNvCxnSpPr>
+            <p:nvPr/>
+          </p:nvCxnSpPr>
+          <p:spPr>
+            <a:xfrm>
+              <a:off x="5162393" y="3810010"/>
+              <a:ext cx="874531" cy="0"/>
+            </a:xfrm>
+            <a:prstGeom prst="straightConnector1">
+              <a:avLst/>
+            </a:prstGeom>
+            <a:ln w="12700">
+              <a:solidFill>
+                <a:schemeClr val="tx1"/>
+              </a:solidFill>
+              <a:tailEnd type="stealth"/>
+            </a:ln>
+          </p:spPr>
+          <p:style>
+            <a:lnRef idx="1">
+              <a:schemeClr val="accent1"/>
+            </a:lnRef>
+            <a:fillRef idx="0">
+              <a:schemeClr val="accent1"/>
+            </a:fillRef>
+            <a:effectRef idx="0">
+              <a:schemeClr val="accent1"/>
+            </a:effectRef>
+            <a:fontRef idx="minor">
+              <a:schemeClr val="tx1"/>
+            </a:fontRef>
+          </p:style>
+        </p:cxnSp>
+        <p:sp>
+          <p:nvSpPr>
+            <p:cNvPr id="55" name="文本框 54">
+              <a:extLst>
+                <a:ext uri="{FF2B5EF4-FFF2-40B4-BE49-F238E27FC236}">
+                  <a16:creationId xmlns:a16="http://schemas.microsoft.com/office/drawing/2014/main" id="{7C424BAE-EE0C-5770-6414-6B0A7C107199}"/>
+                </a:ext>
+              </a:extLst>
+            </p:cNvPr>
+            <p:cNvSpPr txBox="1"/>
+            <p:nvPr/>
+          </p:nvSpPr>
+          <p:spPr>
+            <a:xfrm>
+              <a:off x="5302139" y="3452444"/>
+              <a:ext cx="595035" cy="338554"/>
+            </a:xfrm>
+            <a:prstGeom prst="rect">
+              <a:avLst/>
+            </a:prstGeom>
+            <a:noFill/>
+          </p:spPr>
+          <p:txBody>
+            <a:bodyPr wrap="none" rtlCol="0">
+              <a:spAutoFit/>
+            </a:bodyPr>
+            <a:lstStyle/>
+            <a:p>
+              <a:r>
+                <a:rPr lang="zh-CN" altLang="en-US" sz="1600">
+                  <a:latin typeface="宋体" panose="02010600030101010101" pitchFamily="2" charset="-122"/>
+                  <a:ea typeface="宋体" panose="02010600030101010101" pitchFamily="2" charset="-122"/>
+                </a:rPr>
+                <a:t>决策</a:t>
+              </a:r>
+            </a:p>
+          </p:txBody>
+        </p:sp>
+        <p:sp>
+          <p:nvSpPr>
+            <p:cNvPr id="56" name="文本框 55">
+              <a:extLst>
+                <a:ext uri="{FF2B5EF4-FFF2-40B4-BE49-F238E27FC236}">
+                  <a16:creationId xmlns:a16="http://schemas.microsoft.com/office/drawing/2014/main" id="{2AA393D9-62F1-DFAB-CEB2-F9D3DB2C9D5C}"/>
+                </a:ext>
+              </a:extLst>
+            </p:cNvPr>
+            <p:cNvSpPr txBox="1"/>
+            <p:nvPr/>
+          </p:nvSpPr>
+          <p:spPr>
+            <a:xfrm>
+              <a:off x="5302139" y="3829023"/>
+              <a:ext cx="595035" cy="338554"/>
+            </a:xfrm>
+            <a:prstGeom prst="rect">
+              <a:avLst/>
+            </a:prstGeom>
+            <a:noFill/>
+          </p:spPr>
+          <p:txBody>
+            <a:bodyPr wrap="none" rtlCol="0">
+              <a:spAutoFit/>
+            </a:bodyPr>
+            <a:lstStyle/>
+            <a:p>
+              <a:r>
+                <a:rPr lang="zh-CN" altLang="en-US" sz="1600">
+                  <a:latin typeface="宋体" panose="02010600030101010101" pitchFamily="2" charset="-122"/>
+                  <a:ea typeface="宋体" panose="02010600030101010101" pitchFamily="2" charset="-122"/>
+                </a:rPr>
+                <a:t>执行</a:t>
+              </a:r>
+            </a:p>
+          </p:txBody>
+        </p:sp>
+        <p:sp>
+          <p:nvSpPr>
+            <p:cNvPr id="57" name="文本框 56">
+              <a:extLst>
+                <a:ext uri="{FF2B5EF4-FFF2-40B4-BE49-F238E27FC236}">
+                  <a16:creationId xmlns:a16="http://schemas.microsoft.com/office/drawing/2014/main" id="{1E288F3F-CC83-78DE-BD88-95251EE2FA65}"/>
+                </a:ext>
+              </a:extLst>
+            </p:cNvPr>
+            <p:cNvSpPr txBox="1"/>
+            <p:nvPr/>
+          </p:nvSpPr>
+          <p:spPr>
+            <a:xfrm>
+              <a:off x="4622391" y="4203426"/>
+              <a:ext cx="595035" cy="338554"/>
+            </a:xfrm>
+            <a:prstGeom prst="rect">
+              <a:avLst/>
+            </a:prstGeom>
+            <a:noFill/>
+          </p:spPr>
+          <p:txBody>
+            <a:bodyPr wrap="none" rtlCol="0">
+              <a:spAutoFit/>
+            </a:bodyPr>
+            <a:lstStyle/>
+            <a:p>
+              <a:r>
+                <a:rPr lang="zh-CN" altLang="en-US" sz="1600">
+                  <a:latin typeface="宋体" panose="02010600030101010101" pitchFamily="2" charset="-122"/>
+                  <a:ea typeface="宋体" panose="02010600030101010101" pitchFamily="2" charset="-122"/>
+                </a:rPr>
+                <a:t>建议</a:t>
+              </a:r>
+            </a:p>
+          </p:txBody>
+        </p:sp>
+      </p:grpSp>
+    </p:spTree>
+    <p:extLst>
+      <p:ext uri="{BB962C8B-B14F-4D97-AF65-F5344CB8AC3E}">
+        <p14:creationId xmlns:p14="http://schemas.microsoft.com/office/powerpoint/2010/main" val="2231977909"/>
+      </p:ext>
+    </p:extLst>
+  </p:cSld>
+  <p:clrMapOvr>
+    <a:masterClrMapping/>
+  </p:clrMapOvr>
+</p:sld>
+</file>
+
+<file path=ppt/slides/slide4.xml><?xml version="1.0" encoding="utf-8"?>
+<p:sld xmlns:a="http://schemas.openxmlformats.org/drawingml/2006/main" xmlns:r="http://schemas.openxmlformats.org/officeDocument/2006/relationships" xmlns:p="http://schemas.openxmlformats.org/presentationml/2006/main">
+  <p:cSld>
+    <p:spTree>
+      <p:nvGrpSpPr>
+        <p:cNvPr id="1" name=""/>
+        <p:cNvGrpSpPr/>
+        <p:nvPr/>
+      </p:nvGrpSpPr>
+      <p:grpSpPr>
+        <a:xfrm>
+          <a:off x="0" y="0"/>
+          <a:ext cx="0" cy="0"/>
+          <a:chOff x="0" y="0"/>
+          <a:chExt cx="0" cy="0"/>
+        </a:xfrm>
+      </p:grpSpPr>
+      <p:sp>
+        <p:nvSpPr>
+          <p:cNvPr id="4" name="椭圆 3">
+            <a:extLst>
+              <a:ext uri="{FF2B5EF4-FFF2-40B4-BE49-F238E27FC236}">
+                <a16:creationId xmlns:a16="http://schemas.microsoft.com/office/drawing/2014/main" id="{2D16BAC1-2A06-C7B2-7741-33161863E0D0}"/>
+              </a:ext>
+            </a:extLst>
+          </p:cNvPr>
+          <p:cNvSpPr/>
+          <p:nvPr/>
+        </p:nvSpPr>
+        <p:spPr>
+          <a:xfrm>
+            <a:off x="3101340" y="1878330"/>
+            <a:ext cx="360000" cy="360000"/>
+          </a:xfrm>
+          <a:prstGeom prst="ellipse">
+            <a:avLst/>
+          </a:prstGeom>
+          <a:solidFill>
+            <a:schemeClr val="accent2">
+              <a:lumMod val="20000"/>
+              <a:lumOff val="80000"/>
+            </a:schemeClr>
+          </a:solidFill>
+          <a:ln>
+            <a:solidFill>
+              <a:schemeClr val="tx1"/>
+            </a:solidFill>
+          </a:ln>
+        </p:spPr>
+        <p:style>
+          <a:lnRef idx="2">
+            <a:schemeClr val="accent1">
+              <a:shade val="50000"/>
+            </a:schemeClr>
+          </a:lnRef>
+          <a:fillRef idx="1">
+            <a:schemeClr val="accent1"/>
+          </a:fillRef>
+          <a:effectRef idx="0">
+            <a:schemeClr val="accent1"/>
+          </a:effectRef>
+          <a:fontRef idx="minor">
+            <a:schemeClr val="lt1"/>
+          </a:fontRef>
+        </p:style>
+        <p:txBody>
+          <a:bodyPr rtlCol="0" anchor="ctr"/>
+          <a:lstStyle/>
+          <a:p>
+            <a:pPr algn="ctr"/>
+            <a:r>
+              <a:rPr kumimoji="1" lang="en-US" altLang="zh-CN" sz="1600">
+                <a:solidFill>
+                  <a:schemeClr val="tx1"/>
+                </a:solidFill>
+                <a:latin typeface="Times New Roman" panose="02020603050405020304" pitchFamily="18" charset="0"/>
+                <a:ea typeface="SimSun" panose="02010600030101010101" pitchFamily="2" charset="-122"/>
+                <a:cs typeface="Times New Roman" panose="02020603050405020304" pitchFamily="18" charset="0"/>
+              </a:rPr>
+              <a:t>1</a:t>
+            </a:r>
+            <a:endParaRPr kumimoji="1" lang="zh-CN" altLang="en-US" sz="1600">
+              <a:solidFill>
+                <a:schemeClr val="tx1"/>
+              </a:solidFill>
+              <a:latin typeface="Times New Roman" panose="02020603050405020304" pitchFamily="18" charset="0"/>
+              <a:ea typeface="SimSun" panose="02010600030101010101" pitchFamily="2" charset="-122"/>
+              <a:cs typeface="Times New Roman" panose="02020603050405020304" pitchFamily="18" charset="0"/>
+            </a:endParaRPr>
+          </a:p>
+        </p:txBody>
+      </p:sp>
+      <p:sp>
+        <p:nvSpPr>
+          <p:cNvPr id="8" name="椭圆 7">
+            <a:extLst>
+              <a:ext uri="{FF2B5EF4-FFF2-40B4-BE49-F238E27FC236}">
+                <a16:creationId xmlns:a16="http://schemas.microsoft.com/office/drawing/2014/main" id="{FFF8E5CF-FB95-9481-FCE6-3B05B6DCE109}"/>
+              </a:ext>
+            </a:extLst>
+          </p:cNvPr>
+          <p:cNvSpPr/>
+          <p:nvPr/>
+        </p:nvSpPr>
+        <p:spPr>
+          <a:xfrm>
+            <a:off x="4876800" y="1878330"/>
+            <a:ext cx="360000" cy="360000"/>
+          </a:xfrm>
+          <a:prstGeom prst="ellipse">
+            <a:avLst/>
+          </a:prstGeom>
+          <a:solidFill>
+            <a:schemeClr val="accent6">
+              <a:lumMod val="20000"/>
+              <a:lumOff val="80000"/>
+            </a:schemeClr>
+          </a:solidFill>
+          <a:ln>
+            <a:solidFill>
+              <a:schemeClr val="tx1"/>
+            </a:solidFill>
+          </a:ln>
+        </p:spPr>
+        <p:style>
+          <a:lnRef idx="2">
+            <a:schemeClr val="accent1">
+              <a:shade val="50000"/>
+            </a:schemeClr>
+          </a:lnRef>
+          <a:fillRef idx="1">
+            <a:schemeClr val="accent1"/>
+          </a:fillRef>
+          <a:effectRef idx="0">
+            <a:schemeClr val="accent1"/>
+          </a:effectRef>
+          <a:fontRef idx="minor">
+            <a:schemeClr val="lt1"/>
+          </a:fontRef>
+        </p:style>
+        <p:txBody>
+          <a:bodyPr rtlCol="0" anchor="ctr"/>
+          <a:lstStyle/>
+          <a:p>
+            <a:pPr algn="ctr"/>
+            <a:r>
+              <a:rPr kumimoji="1" lang="en-US" altLang="zh-CN" sz="1600">
+                <a:solidFill>
+                  <a:schemeClr val="tx1"/>
+                </a:solidFill>
+                <a:latin typeface="Times New Roman" panose="02020603050405020304" pitchFamily="18" charset="0"/>
+                <a:ea typeface="SimSun" panose="02010600030101010101" pitchFamily="2" charset="-122"/>
+                <a:cs typeface="Times New Roman" panose="02020603050405020304" pitchFamily="18" charset="0"/>
+              </a:rPr>
+              <a:t>2</a:t>
+            </a:r>
+            <a:endParaRPr kumimoji="1" lang="zh-CN" altLang="en-US" sz="1600">
+              <a:solidFill>
+                <a:schemeClr val="tx1"/>
+              </a:solidFill>
+              <a:latin typeface="Times New Roman" panose="02020603050405020304" pitchFamily="18" charset="0"/>
+              <a:ea typeface="SimSun" panose="02010600030101010101" pitchFamily="2" charset="-122"/>
+              <a:cs typeface="Times New Roman" panose="02020603050405020304" pitchFamily="18" charset="0"/>
+            </a:endParaRPr>
+          </a:p>
+        </p:txBody>
+      </p:sp>
+      <p:sp>
+        <p:nvSpPr>
+          <p:cNvPr id="9" name="椭圆 8">
+            <a:extLst>
+              <a:ext uri="{FF2B5EF4-FFF2-40B4-BE49-F238E27FC236}">
+                <a16:creationId xmlns:a16="http://schemas.microsoft.com/office/drawing/2014/main" id="{D9DF4FDB-8CBB-0023-773D-D6EB38FCBFC1}"/>
+              </a:ext>
+            </a:extLst>
+          </p:cNvPr>
+          <p:cNvSpPr/>
+          <p:nvPr/>
+        </p:nvSpPr>
+        <p:spPr>
+          <a:xfrm>
+            <a:off x="3989070" y="3069000"/>
+            <a:ext cx="360000" cy="360000"/>
+          </a:xfrm>
+          <a:prstGeom prst="ellipse">
+            <a:avLst/>
+          </a:prstGeom>
+          <a:solidFill>
+            <a:schemeClr val="accent4">
+              <a:lumMod val="20000"/>
+              <a:lumOff val="80000"/>
+            </a:schemeClr>
+          </a:solidFill>
+          <a:ln>
+            <a:solidFill>
+              <a:schemeClr val="tx1"/>
+            </a:solidFill>
+          </a:ln>
+        </p:spPr>
+        <p:style>
+          <a:lnRef idx="2">
+            <a:schemeClr val="accent1">
+              <a:shade val="50000"/>
+            </a:schemeClr>
+          </a:lnRef>
+          <a:fillRef idx="1">
+            <a:schemeClr val="accent1"/>
+          </a:fillRef>
+          <a:effectRef idx="0">
+            <a:schemeClr val="accent1"/>
+          </a:effectRef>
+          <a:fontRef idx="minor">
+            <a:schemeClr val="lt1"/>
+          </a:fontRef>
+        </p:style>
+        <p:txBody>
+          <a:bodyPr rtlCol="0" anchor="ctr"/>
+          <a:lstStyle/>
+          <a:p>
+            <a:pPr algn="ctr"/>
+            <a:r>
+              <a:rPr kumimoji="1" lang="en-US" altLang="zh-CN" sz="1600">
+                <a:solidFill>
+                  <a:schemeClr val="tx1"/>
+                </a:solidFill>
+                <a:latin typeface="Times New Roman" panose="02020603050405020304" pitchFamily="18" charset="0"/>
+                <a:ea typeface="SimSun" panose="02010600030101010101" pitchFamily="2" charset="-122"/>
+                <a:cs typeface="Times New Roman" panose="02020603050405020304" pitchFamily="18" charset="0"/>
+              </a:rPr>
+              <a:t>3</a:t>
+            </a:r>
+            <a:endParaRPr kumimoji="1" lang="zh-CN" altLang="en-US" sz="1600">
+              <a:solidFill>
+                <a:schemeClr val="tx1"/>
+              </a:solidFill>
+              <a:latin typeface="Times New Roman" panose="02020603050405020304" pitchFamily="18" charset="0"/>
+              <a:ea typeface="SimSun" panose="02010600030101010101" pitchFamily="2" charset="-122"/>
+              <a:cs typeface="Times New Roman" panose="02020603050405020304" pitchFamily="18" charset="0"/>
+            </a:endParaRPr>
+          </a:p>
+        </p:txBody>
+      </p:sp>
+      <p:cxnSp>
+        <p:nvCxnSpPr>
+          <p:cNvPr id="78" name="直接箭头连接符 77">
+            <a:extLst>
+              <a:ext uri="{FF2B5EF4-FFF2-40B4-BE49-F238E27FC236}">
+                <a16:creationId xmlns:a16="http://schemas.microsoft.com/office/drawing/2014/main" id="{D211CD46-19E7-F2BA-E672-FC59C133ABF9}"/>
+              </a:ext>
+            </a:extLst>
+          </p:cNvPr>
+          <p:cNvCxnSpPr>
+            <a:stCxn id="4" idx="6"/>
+            <a:endCxn id="8" idx="2"/>
+          </p:cNvCxnSpPr>
+          <p:nvPr/>
+        </p:nvCxnSpPr>
+        <p:spPr>
+          <a:xfrm>
+            <a:off x="3461340" y="2058330"/>
+            <a:ext cx="1415460" cy="0"/>
+          </a:xfrm>
+          <a:prstGeom prst="straightConnector1">
+            <a:avLst/>
+          </a:prstGeom>
+          <a:ln w="12700">
+            <a:solidFill>
+              <a:schemeClr val="tx1"/>
+            </a:solidFill>
+            <a:headEnd type="stealth"/>
+            <a:tailEnd type="stealth"/>
+          </a:ln>
+        </p:spPr>
+        <p:style>
+          <a:lnRef idx="1">
+            <a:schemeClr val="accent1"/>
+          </a:lnRef>
+          <a:fillRef idx="0">
+            <a:schemeClr val="accent1"/>
+          </a:fillRef>
+          <a:effectRef idx="0">
+            <a:schemeClr val="accent1"/>
+          </a:effectRef>
+          <a:fontRef idx="minor">
+            <a:schemeClr val="tx1"/>
+          </a:fontRef>
+        </p:style>
+      </p:cxnSp>
+      <p:cxnSp>
+        <p:nvCxnSpPr>
+          <p:cNvPr id="80" name="直接箭头连接符 79">
+            <a:extLst>
+              <a:ext uri="{FF2B5EF4-FFF2-40B4-BE49-F238E27FC236}">
+                <a16:creationId xmlns:a16="http://schemas.microsoft.com/office/drawing/2014/main" id="{4391C93D-B330-43D6-34DD-EB88DAE38877}"/>
+              </a:ext>
+            </a:extLst>
+          </p:cNvPr>
+          <p:cNvCxnSpPr>
+            <a:stCxn id="4" idx="4"/>
+            <a:endCxn id="9" idx="2"/>
+          </p:cNvCxnSpPr>
+          <p:nvPr/>
+        </p:nvCxnSpPr>
+        <p:spPr>
+          <a:xfrm>
+            <a:off x="3281340" y="2238330"/>
+            <a:ext cx="707730" cy="1010670"/>
+          </a:xfrm>
+          <a:prstGeom prst="straightConnector1">
+            <a:avLst/>
+          </a:prstGeom>
+          <a:ln w="12700">
+            <a:solidFill>
+              <a:schemeClr val="tx1"/>
+            </a:solidFill>
+            <a:headEnd type="stealth"/>
+            <a:tailEnd type="stealth"/>
+          </a:ln>
+        </p:spPr>
+        <p:style>
+          <a:lnRef idx="1">
+            <a:schemeClr val="accent1"/>
+          </a:lnRef>
+          <a:fillRef idx="0">
+            <a:schemeClr val="accent1"/>
+          </a:fillRef>
+          <a:effectRef idx="0">
+            <a:schemeClr val="accent1"/>
+          </a:effectRef>
+          <a:fontRef idx="minor">
+            <a:schemeClr val="tx1"/>
+          </a:fontRef>
+        </p:style>
+      </p:cxnSp>
+      <p:cxnSp>
+        <p:nvCxnSpPr>
+          <p:cNvPr id="82" name="直接箭头连接符 81">
+            <a:extLst>
+              <a:ext uri="{FF2B5EF4-FFF2-40B4-BE49-F238E27FC236}">
+                <a16:creationId xmlns:a16="http://schemas.microsoft.com/office/drawing/2014/main" id="{2904627E-23B4-B2C0-977F-6010F2F56E51}"/>
+              </a:ext>
+            </a:extLst>
+          </p:cNvPr>
+          <p:cNvCxnSpPr>
+            <a:stCxn id="9" idx="6"/>
+            <a:endCxn id="8" idx="4"/>
+          </p:cNvCxnSpPr>
+          <p:nvPr/>
+        </p:nvCxnSpPr>
+        <p:spPr>
+          <a:xfrm flipV="1">
+            <a:off x="4349070" y="2238330"/>
+            <a:ext cx="707730" cy="1010670"/>
+          </a:xfrm>
+          <a:prstGeom prst="straightConnector1">
+            <a:avLst/>
+          </a:prstGeom>
+          <a:ln w="12700">
+            <a:solidFill>
+              <a:schemeClr val="tx1"/>
+            </a:solidFill>
+            <a:headEnd type="stealth"/>
+            <a:tailEnd type="stealth"/>
+          </a:ln>
+        </p:spPr>
+        <p:style>
+          <a:lnRef idx="1">
+            <a:schemeClr val="accent1"/>
+          </a:lnRef>
+          <a:fillRef idx="0">
+            <a:schemeClr val="accent1"/>
+          </a:fillRef>
+          <a:effectRef idx="0">
+            <a:schemeClr val="accent1"/>
+          </a:effectRef>
+          <a:fontRef idx="minor">
+            <a:schemeClr val="tx1"/>
+          </a:fontRef>
+        </p:style>
+      </p:cxnSp>
+      <p:cxnSp>
+        <p:nvCxnSpPr>
+          <p:cNvPr id="93" name="连接符: 曲线 92">
+            <a:extLst>
+              <a:ext uri="{FF2B5EF4-FFF2-40B4-BE49-F238E27FC236}">
+                <a16:creationId xmlns:a16="http://schemas.microsoft.com/office/drawing/2014/main" id="{76BF5FD1-770B-A407-CEB5-72CBCD099455}"/>
+              </a:ext>
+            </a:extLst>
+          </p:cNvPr>
+          <p:cNvCxnSpPr>
+            <a:cxnSpLocks/>
+          </p:cNvCxnSpPr>
+          <p:nvPr/>
+        </p:nvCxnSpPr>
+        <p:spPr>
+          <a:xfrm rot="10800000" flipH="1">
+            <a:off x="3112453" y="1878330"/>
+            <a:ext cx="180000" cy="180000"/>
+          </a:xfrm>
+          <a:prstGeom prst="curvedConnector4">
+            <a:avLst>
+              <a:gd name="adj1" fmla="val -113770"/>
+              <a:gd name="adj2" fmla="val 216417"/>
+            </a:avLst>
+          </a:prstGeom>
+          <a:ln w="12700">
+            <a:solidFill>
+              <a:schemeClr val="tx1"/>
+            </a:solidFill>
+            <a:tailEnd type="stealth"/>
+          </a:ln>
+        </p:spPr>
+        <p:style>
+          <a:lnRef idx="1">
+            <a:schemeClr val="accent1"/>
+          </a:lnRef>
+          <a:fillRef idx="0">
+            <a:schemeClr val="accent1"/>
+          </a:fillRef>
+          <a:effectRef idx="0">
+            <a:schemeClr val="accent1"/>
+          </a:effectRef>
+          <a:fontRef idx="minor">
+            <a:schemeClr val="tx1"/>
+          </a:fontRef>
+        </p:style>
+      </p:cxnSp>
+      <p:cxnSp>
+        <p:nvCxnSpPr>
+          <p:cNvPr id="96" name="连接符: 曲线 95">
+            <a:extLst>
+              <a:ext uri="{FF2B5EF4-FFF2-40B4-BE49-F238E27FC236}">
+                <a16:creationId xmlns:a16="http://schemas.microsoft.com/office/drawing/2014/main" id="{4F48E2E9-DCB3-333C-6071-BB42B7C597A3}"/>
+              </a:ext>
+            </a:extLst>
+          </p:cNvPr>
+          <p:cNvCxnSpPr>
+            <a:stCxn id="8" idx="0"/>
+            <a:endCxn id="8" idx="6"/>
+          </p:cNvCxnSpPr>
+          <p:nvPr/>
+        </p:nvCxnSpPr>
+        <p:spPr>
+          <a:xfrm rot="16200000" flipH="1">
+            <a:off x="5056800" y="1878330"/>
+            <a:ext cx="180000" cy="180000"/>
+          </a:xfrm>
+          <a:prstGeom prst="curvedConnector4">
+            <a:avLst>
+              <a:gd name="adj1" fmla="val -102306"/>
+              <a:gd name="adj2" fmla="val 208479"/>
+            </a:avLst>
+          </a:prstGeom>
+          <a:ln w="12700">
+            <a:solidFill>
+              <a:schemeClr val="tx1"/>
+            </a:solidFill>
+            <a:tailEnd type="stealth"/>
+          </a:ln>
+        </p:spPr>
+        <p:style>
+          <a:lnRef idx="1">
+            <a:schemeClr val="accent1"/>
+          </a:lnRef>
+          <a:fillRef idx="0">
+            <a:schemeClr val="accent1"/>
+          </a:fillRef>
+          <a:effectRef idx="0">
+            <a:schemeClr val="accent1"/>
+          </a:effectRef>
+          <a:fontRef idx="minor">
+            <a:schemeClr val="tx1"/>
+          </a:fontRef>
+        </p:style>
+      </p:cxnSp>
+      <p:cxnSp>
+        <p:nvCxnSpPr>
+          <p:cNvPr id="98" name="连接符: 曲线 97">
+            <a:extLst>
+              <a:ext uri="{FF2B5EF4-FFF2-40B4-BE49-F238E27FC236}">
+                <a16:creationId xmlns:a16="http://schemas.microsoft.com/office/drawing/2014/main" id="{7A9C4D2D-554E-C12E-8B62-41AC722802EF}"/>
+              </a:ext>
+            </a:extLst>
+          </p:cNvPr>
+          <p:cNvCxnSpPr>
+            <a:cxnSpLocks/>
+            <a:stCxn id="9" idx="6"/>
+            <a:endCxn id="9" idx="4"/>
+          </p:cNvCxnSpPr>
+          <p:nvPr/>
+        </p:nvCxnSpPr>
+        <p:spPr>
+          <a:xfrm flipH="1">
+            <a:off x="4169070" y="3249000"/>
+            <a:ext cx="180000" cy="180000"/>
+          </a:xfrm>
+          <a:prstGeom prst="curvedConnector4">
+            <a:avLst>
+              <a:gd name="adj1" fmla="val -101424"/>
+              <a:gd name="adj2" fmla="val 198778"/>
+            </a:avLst>
+          </a:prstGeom>
+          <a:ln w="12700">
+            <a:solidFill>
+              <a:schemeClr val="tx1"/>
+            </a:solidFill>
+            <a:tailEnd type="stealth"/>
+          </a:ln>
+        </p:spPr>
+        <p:style>
+          <a:lnRef idx="1">
+            <a:schemeClr val="accent1"/>
+          </a:lnRef>
+          <a:fillRef idx="0">
+            <a:schemeClr val="accent1"/>
+          </a:fillRef>
+          <a:effectRef idx="0">
+            <a:schemeClr val="accent1"/>
+          </a:effectRef>
+          <a:fontRef idx="minor">
+            <a:schemeClr val="tx1"/>
+          </a:fontRef>
+        </p:style>
+      </p:cxnSp>
+      <p:sp>
+        <p:nvSpPr>
+          <p:cNvPr id="110" name="文本框 109">
+            <a:extLst>
+              <a:ext uri="{FF2B5EF4-FFF2-40B4-BE49-F238E27FC236}">
+                <a16:creationId xmlns:a16="http://schemas.microsoft.com/office/drawing/2014/main" id="{52C4073A-3680-A736-7CBA-0846EFF2FAB2}"/>
+              </a:ext>
+            </a:extLst>
+          </p:cNvPr>
+          <p:cNvSpPr txBox="1"/>
+          <p:nvPr/>
+        </p:nvSpPr>
+        <p:spPr>
+          <a:xfrm>
+            <a:off x="2683625" y="1524001"/>
+            <a:ext cx="360996" cy="261610"/>
+          </a:xfrm>
+          <a:prstGeom prst="rect">
+            <a:avLst/>
+          </a:prstGeom>
+          <a:noFill/>
+        </p:spPr>
+        <p:txBody>
+          <a:bodyPr wrap="none" rtlCol="0">
+            <a:spAutoFit/>
+          </a:bodyPr>
+          <a:lstStyle/>
+          <a:p>
+            <a:r>
+              <a:rPr lang="en-US" altLang="zh-CN" sz="1050">
+                <a:latin typeface="Times New Roman" panose="02020603050405020304" pitchFamily="18" charset="0"/>
+                <a:cs typeface="Times New Roman" panose="02020603050405020304" pitchFamily="18" charset="0"/>
+              </a:rPr>
+              <a:t>0.5</a:t>
+            </a:r>
+            <a:endParaRPr lang="zh-CN" altLang="en-US" sz="1050">
+              <a:latin typeface="Times New Roman" panose="02020603050405020304" pitchFamily="18" charset="0"/>
+              <a:cs typeface="Times New Roman" panose="02020603050405020304" pitchFamily="18" charset="0"/>
+            </a:endParaRPr>
+          </a:p>
+        </p:txBody>
+      </p:sp>
+      <p:sp>
+        <p:nvSpPr>
+          <p:cNvPr id="111" name="文本框 110">
+            <a:extLst>
+              <a:ext uri="{FF2B5EF4-FFF2-40B4-BE49-F238E27FC236}">
+                <a16:creationId xmlns:a16="http://schemas.microsoft.com/office/drawing/2014/main" id="{F0F8C2D7-FF02-5A6E-5974-B398F4A39301}"/>
+              </a:ext>
+            </a:extLst>
+          </p:cNvPr>
+          <p:cNvSpPr txBox="1"/>
+          <p:nvPr/>
+        </p:nvSpPr>
+        <p:spPr>
+          <a:xfrm>
+            <a:off x="3984695" y="1837525"/>
+            <a:ext cx="352982" cy="253916"/>
+          </a:xfrm>
+          <a:prstGeom prst="rect">
+            <a:avLst/>
+          </a:prstGeom>
+          <a:noFill/>
+        </p:spPr>
+        <p:txBody>
+          <a:bodyPr wrap="none" rtlCol="0">
+            <a:spAutoFit/>
+          </a:bodyPr>
+          <a:lstStyle/>
+          <a:p>
+            <a:r>
+              <a:rPr lang="en-US" altLang="zh-CN" sz="1050">
+                <a:latin typeface="Times New Roman" panose="02020603050405020304" pitchFamily="18" charset="0"/>
+                <a:cs typeface="Times New Roman" panose="02020603050405020304" pitchFamily="18" charset="0"/>
+              </a:rPr>
+              <a:t>0.4</a:t>
+            </a:r>
+            <a:endParaRPr lang="zh-CN" altLang="en-US" sz="1050">
+              <a:latin typeface="Times New Roman" panose="02020603050405020304" pitchFamily="18" charset="0"/>
+              <a:cs typeface="Times New Roman" panose="02020603050405020304" pitchFamily="18" charset="0"/>
+            </a:endParaRPr>
+          </a:p>
+        </p:txBody>
+      </p:sp>
+      <p:sp>
+        <p:nvSpPr>
+          <p:cNvPr id="112" name="文本框 111">
+            <a:extLst>
+              <a:ext uri="{FF2B5EF4-FFF2-40B4-BE49-F238E27FC236}">
+                <a16:creationId xmlns:a16="http://schemas.microsoft.com/office/drawing/2014/main" id="{AD4C1521-8C0A-20ED-B0E8-C468425D5040}"/>
+              </a:ext>
+            </a:extLst>
+          </p:cNvPr>
+          <p:cNvSpPr txBox="1"/>
+          <p:nvPr/>
+        </p:nvSpPr>
+        <p:spPr>
+          <a:xfrm>
+            <a:off x="3306582" y="2710190"/>
+            <a:ext cx="352982" cy="253916"/>
+          </a:xfrm>
+          <a:prstGeom prst="rect">
+            <a:avLst/>
+          </a:prstGeom>
+          <a:noFill/>
+        </p:spPr>
+        <p:txBody>
+          <a:bodyPr wrap="none" rtlCol="0">
+            <a:spAutoFit/>
+          </a:bodyPr>
+          <a:lstStyle/>
+          <a:p>
+            <a:r>
+              <a:rPr lang="en-US" altLang="zh-CN" sz="1050">
+                <a:latin typeface="Times New Roman" panose="02020603050405020304" pitchFamily="18" charset="0"/>
+                <a:cs typeface="Times New Roman" panose="02020603050405020304" pitchFamily="18" charset="0"/>
+              </a:rPr>
+              <a:t>0.1</a:t>
+            </a:r>
+            <a:endParaRPr lang="zh-CN" altLang="en-US" sz="1050">
+              <a:latin typeface="Times New Roman" panose="02020603050405020304" pitchFamily="18" charset="0"/>
+              <a:cs typeface="Times New Roman" panose="02020603050405020304" pitchFamily="18" charset="0"/>
+            </a:endParaRPr>
+          </a:p>
+        </p:txBody>
+      </p:sp>
+      <p:sp>
+        <p:nvSpPr>
+          <p:cNvPr id="113" name="文本框 112">
+            <a:extLst>
+              <a:ext uri="{FF2B5EF4-FFF2-40B4-BE49-F238E27FC236}">
+                <a16:creationId xmlns:a16="http://schemas.microsoft.com/office/drawing/2014/main" id="{BC5CB338-328A-474F-FCAB-9F6B0DABDD30}"/>
+              </a:ext>
+            </a:extLst>
+          </p:cNvPr>
+          <p:cNvSpPr txBox="1"/>
+          <p:nvPr/>
+        </p:nvSpPr>
+        <p:spPr>
+          <a:xfrm>
+            <a:off x="3984695" y="2054483"/>
+            <a:ext cx="352982" cy="253916"/>
+          </a:xfrm>
+          <a:prstGeom prst="rect">
+            <a:avLst/>
+          </a:prstGeom>
+          <a:noFill/>
+        </p:spPr>
+        <p:txBody>
+          <a:bodyPr wrap="none" rtlCol="0">
+            <a:spAutoFit/>
+          </a:bodyPr>
+          <a:lstStyle/>
+          <a:p>
+            <a:r>
+              <a:rPr lang="en-US" altLang="zh-CN" sz="1050">
+                <a:latin typeface="Times New Roman" panose="02020603050405020304" pitchFamily="18" charset="0"/>
+                <a:cs typeface="Times New Roman" panose="02020603050405020304" pitchFamily="18" charset="0"/>
+              </a:rPr>
+              <a:t>0.2</a:t>
+            </a:r>
+            <a:endParaRPr lang="zh-CN" altLang="en-US" sz="1050">
+              <a:latin typeface="Times New Roman" panose="02020603050405020304" pitchFamily="18" charset="0"/>
+              <a:cs typeface="Times New Roman" panose="02020603050405020304" pitchFamily="18" charset="0"/>
+            </a:endParaRPr>
+          </a:p>
+        </p:txBody>
+      </p:sp>
+      <p:sp>
+        <p:nvSpPr>
+          <p:cNvPr id="114" name="文本框 113">
+            <a:extLst>
+              <a:ext uri="{FF2B5EF4-FFF2-40B4-BE49-F238E27FC236}">
+                <a16:creationId xmlns:a16="http://schemas.microsoft.com/office/drawing/2014/main" id="{3E19B869-A438-04BB-7019-A76AD6B461A7}"/>
+              </a:ext>
+            </a:extLst>
+          </p:cNvPr>
+          <p:cNvSpPr txBox="1"/>
+          <p:nvPr/>
+        </p:nvSpPr>
+        <p:spPr>
+          <a:xfrm>
+            <a:off x="5329193" y="1550194"/>
+            <a:ext cx="352982" cy="253916"/>
+          </a:xfrm>
+          <a:prstGeom prst="rect">
+            <a:avLst/>
+          </a:prstGeom>
+          <a:noFill/>
+        </p:spPr>
+        <p:txBody>
+          <a:bodyPr wrap="none" rtlCol="0">
+            <a:spAutoFit/>
+          </a:bodyPr>
+          <a:lstStyle/>
+          <a:p>
+            <a:r>
+              <a:rPr lang="en-US" altLang="zh-CN" sz="1050">
+                <a:latin typeface="Times New Roman" panose="02020603050405020304" pitchFamily="18" charset="0"/>
+                <a:cs typeface="Times New Roman" panose="02020603050405020304" pitchFamily="18" charset="0"/>
+              </a:rPr>
+              <a:t>0.6</a:t>
+            </a:r>
+            <a:endParaRPr lang="zh-CN" altLang="en-US" sz="1050">
+              <a:latin typeface="Times New Roman" panose="02020603050405020304" pitchFamily="18" charset="0"/>
+              <a:cs typeface="Times New Roman" panose="02020603050405020304" pitchFamily="18" charset="0"/>
+            </a:endParaRPr>
+          </a:p>
+        </p:txBody>
+      </p:sp>
+      <p:sp>
+        <p:nvSpPr>
+          <p:cNvPr id="115" name="文本框 114">
+            <a:extLst>
+              <a:ext uri="{FF2B5EF4-FFF2-40B4-BE49-F238E27FC236}">
+                <a16:creationId xmlns:a16="http://schemas.microsoft.com/office/drawing/2014/main" id="{7B48EAEC-8465-3B81-0EE1-975CFF03B24A}"/>
+              </a:ext>
+            </a:extLst>
+          </p:cNvPr>
+          <p:cNvSpPr txBox="1"/>
+          <p:nvPr/>
+        </p:nvSpPr>
+        <p:spPr>
+          <a:xfrm>
+            <a:off x="4707197" y="2702496"/>
+            <a:ext cx="352982" cy="253916"/>
+          </a:xfrm>
+          <a:prstGeom prst="rect">
+            <a:avLst/>
+          </a:prstGeom>
+          <a:noFill/>
+        </p:spPr>
+        <p:txBody>
+          <a:bodyPr wrap="none" rtlCol="0">
+            <a:spAutoFit/>
+          </a:bodyPr>
+          <a:lstStyle/>
+          <a:p>
+            <a:r>
+              <a:rPr lang="en-US" altLang="zh-CN" sz="1050">
+                <a:latin typeface="Times New Roman" panose="02020603050405020304" pitchFamily="18" charset="0"/>
+                <a:cs typeface="Times New Roman" panose="02020603050405020304" pitchFamily="18" charset="0"/>
+              </a:rPr>
+              <a:t>0.2</a:t>
+            </a:r>
+            <a:endParaRPr lang="zh-CN" altLang="en-US" sz="1050">
+              <a:latin typeface="Times New Roman" panose="02020603050405020304" pitchFamily="18" charset="0"/>
+              <a:cs typeface="Times New Roman" panose="02020603050405020304" pitchFamily="18" charset="0"/>
+            </a:endParaRPr>
+          </a:p>
+        </p:txBody>
+      </p:sp>
+      <p:sp>
+        <p:nvSpPr>
+          <p:cNvPr id="116" name="文本框 115">
+            <a:extLst>
+              <a:ext uri="{FF2B5EF4-FFF2-40B4-BE49-F238E27FC236}">
+                <a16:creationId xmlns:a16="http://schemas.microsoft.com/office/drawing/2014/main" id="{0B5E441F-B4D2-A7D1-FD73-017155B80428}"/>
+              </a:ext>
+            </a:extLst>
+          </p:cNvPr>
+          <p:cNvSpPr txBox="1"/>
+          <p:nvPr/>
+        </p:nvSpPr>
+        <p:spPr>
+          <a:xfrm>
+            <a:off x="3586572" y="2482055"/>
+            <a:ext cx="420308" cy="253916"/>
+          </a:xfrm>
+          <a:prstGeom prst="rect">
+            <a:avLst/>
+          </a:prstGeom>
+          <a:noFill/>
+        </p:spPr>
+        <p:txBody>
+          <a:bodyPr wrap="none" rtlCol="0">
+            <a:spAutoFit/>
+          </a:bodyPr>
+          <a:lstStyle/>
+          <a:p>
+            <a:r>
+              <a:rPr lang="en-US" altLang="zh-CN" sz="1050">
+                <a:latin typeface="Times New Roman" panose="02020603050405020304" pitchFamily="18" charset="0"/>
+                <a:cs typeface="Times New Roman" panose="02020603050405020304" pitchFamily="18" charset="0"/>
+              </a:rPr>
+              <a:t>0.05</a:t>
+            </a:r>
+            <a:endParaRPr lang="zh-CN" altLang="en-US" sz="1050">
+              <a:latin typeface="Times New Roman" panose="02020603050405020304" pitchFamily="18" charset="0"/>
+              <a:cs typeface="Times New Roman" panose="02020603050405020304" pitchFamily="18" charset="0"/>
+            </a:endParaRPr>
+          </a:p>
+        </p:txBody>
+      </p:sp>
+      <p:sp>
+        <p:nvSpPr>
+          <p:cNvPr id="117" name="文本框 116">
+            <a:extLst>
+              <a:ext uri="{FF2B5EF4-FFF2-40B4-BE49-F238E27FC236}">
+                <a16:creationId xmlns:a16="http://schemas.microsoft.com/office/drawing/2014/main" id="{8CF28791-1467-97BB-05D1-CDCAF1A10B4D}"/>
+              </a:ext>
+            </a:extLst>
+          </p:cNvPr>
+          <p:cNvSpPr txBox="1"/>
+          <p:nvPr/>
+        </p:nvSpPr>
+        <p:spPr>
+          <a:xfrm>
+            <a:off x="4365007" y="2479588"/>
+            <a:ext cx="420308" cy="253916"/>
+          </a:xfrm>
+          <a:prstGeom prst="rect">
+            <a:avLst/>
+          </a:prstGeom>
+          <a:noFill/>
+        </p:spPr>
+        <p:txBody>
+          <a:bodyPr wrap="none" rtlCol="0">
+            <a:spAutoFit/>
+          </a:bodyPr>
+          <a:lstStyle/>
+          <a:p>
+            <a:r>
+              <a:rPr lang="en-US" altLang="zh-CN" sz="1050">
+                <a:latin typeface="Times New Roman" panose="02020603050405020304" pitchFamily="18" charset="0"/>
+                <a:cs typeface="Times New Roman" panose="02020603050405020304" pitchFamily="18" charset="0"/>
+              </a:rPr>
+              <a:t>0.45</a:t>
+            </a:r>
+            <a:endParaRPr lang="zh-CN" altLang="en-US" sz="1050">
+              <a:latin typeface="Times New Roman" panose="02020603050405020304" pitchFamily="18" charset="0"/>
+              <a:cs typeface="Times New Roman" panose="02020603050405020304" pitchFamily="18" charset="0"/>
+            </a:endParaRPr>
+          </a:p>
+        </p:txBody>
+      </p:sp>
+      <p:sp>
+        <p:nvSpPr>
+          <p:cNvPr id="118" name="文本框 117">
+            <a:extLst>
+              <a:ext uri="{FF2B5EF4-FFF2-40B4-BE49-F238E27FC236}">
+                <a16:creationId xmlns:a16="http://schemas.microsoft.com/office/drawing/2014/main" id="{6D301416-5863-B280-2AF9-9C91E0AD26B5}"/>
+              </a:ext>
+            </a:extLst>
+          </p:cNvPr>
+          <p:cNvSpPr txBox="1"/>
+          <p:nvPr/>
+        </p:nvSpPr>
+        <p:spPr>
+          <a:xfrm>
+            <a:off x="4481468" y="3428999"/>
+            <a:ext cx="360996" cy="261610"/>
+          </a:xfrm>
+          <a:prstGeom prst="rect">
+            <a:avLst/>
+          </a:prstGeom>
+          <a:noFill/>
+        </p:spPr>
+        <p:txBody>
+          <a:bodyPr wrap="none" rtlCol="0">
+            <a:spAutoFit/>
+          </a:bodyPr>
+          <a:lstStyle/>
+          <a:p>
+            <a:r>
+              <a:rPr lang="en-US" altLang="zh-CN" sz="1050">
+                <a:latin typeface="Times New Roman" panose="02020603050405020304" pitchFamily="18" charset="0"/>
+                <a:cs typeface="Times New Roman" panose="02020603050405020304" pitchFamily="18" charset="0"/>
+              </a:rPr>
+              <a:t>0.5</a:t>
+            </a:r>
+            <a:endParaRPr lang="zh-CN" altLang="en-US" sz="1050">
+              <a:latin typeface="Times New Roman" panose="02020603050405020304" pitchFamily="18" charset="0"/>
+              <a:cs typeface="Times New Roman" panose="02020603050405020304" pitchFamily="18" charset="0"/>
+            </a:endParaRPr>
+          </a:p>
+        </p:txBody>
+      </p:sp>
+    </p:spTree>
+    <p:extLst>
+      <p:ext uri="{BB962C8B-B14F-4D97-AF65-F5344CB8AC3E}">
+        <p14:creationId xmlns:p14="http://schemas.microsoft.com/office/powerpoint/2010/main" val="3479460364"/>
       </p:ext>
     </p:extLst>
   </p:cSld>
